--- a/lectures/1_intro.pptx
+++ b/lectures/1_intro.pptx
@@ -147,13 +147,37 @@
 <file path=ppt/revisionInfo.xml><?xml version="1.0" encoding="utf-8"?>
 <p1510:revInfo xmlns:a="http://schemas.openxmlformats.org/drawingml/2006/main" xmlns:r="http://schemas.openxmlformats.org/officeDocument/2006/relationships" xmlns:p1510="http://schemas.microsoft.com/office/powerpoint/2015/10/main">
   <p1510:revLst>
-    <p1510:client id="{4E733604-555E-4598-9499-E10FB76F41CD}" v="1" dt="2024-09-09T18:37:23.066"/>
+    <p1510:client id="{40306214-9A42-4FA8-99B6-3984636217F0}" v="23" dt="2025-09-02T15:20:33.493"/>
   </p1510:revLst>
 </p1510:revInfo>
 </file>
 
 <file path=ppt/changesInfos/changesInfo1.xml><?xml version="1.0" encoding="utf-8"?>
 <pc:chgInfo xmlns:a="http://schemas.openxmlformats.org/drawingml/2006/main" xmlns:r="http://schemas.openxmlformats.org/officeDocument/2006/relationships" xmlns:ac="http://schemas.microsoft.com/office/drawing/2013/main/command" xmlns:pc="http://schemas.microsoft.com/office/powerpoint/2013/main/command">
+  <pc:docChgLst>
+    <pc:chgData name="Dmitry Ilvovsky" userId="f23e1ef0a5520f69" providerId="LiveId" clId="{BA2D3C58-3CA6-435B-99F6-9C4AED2D5997}"/>
+    <pc:docChg chg="modSld">
+      <pc:chgData name="Dmitry Ilvovsky" userId="f23e1ef0a5520f69" providerId="LiveId" clId="{BA2D3C58-3CA6-435B-99F6-9C4AED2D5997}" dt="2025-09-15T11:41:56.379" v="3" actId="20577"/>
+      <pc:docMkLst>
+        <pc:docMk/>
+      </pc:docMkLst>
+      <pc:sldChg chg="modSp mod">
+        <pc:chgData name="Dmitry Ilvovsky" userId="f23e1ef0a5520f69" providerId="LiveId" clId="{BA2D3C58-3CA6-435B-99F6-9C4AED2D5997}" dt="2025-09-15T11:41:56.379" v="3" actId="20577"/>
+        <pc:sldMkLst>
+          <pc:docMk/>
+          <pc:sldMk cId="0" sldId="256"/>
+        </pc:sldMkLst>
+        <pc:spChg chg="mod">
+          <ac:chgData name="Dmitry Ilvovsky" userId="f23e1ef0a5520f69" providerId="LiveId" clId="{BA2D3C58-3CA6-435B-99F6-9C4AED2D5997}" dt="2025-09-15T11:41:56.379" v="3" actId="20577"/>
+          <ac:spMkLst>
+            <pc:docMk/>
+            <pc:sldMk cId="0" sldId="256"/>
+            <ac:spMk id="32" creationId="{00000000-0000-0000-0000-000000000000}"/>
+          </ac:spMkLst>
+        </pc:spChg>
+      </pc:sldChg>
+    </pc:docChg>
+  </pc:docChgLst>
   <pc:docChgLst>
     <pc:chgData name="Дмитрий Ильвовский" userId="f23e1ef0a5520f69" providerId="LiveId" clId="{F2A4B7D7-728D-4978-A36C-BC1D8DC370E2}"/>
     <pc:docChg chg="modSld">
@@ -167,14 +191,6 @@
           <pc:docMk/>
           <pc:sldMk cId="0" sldId="262"/>
         </pc:sldMkLst>
-        <pc:spChg chg="mod">
-          <ac:chgData name="Дмитрий Ильвовский" userId="f23e1ef0a5520f69" providerId="LiveId" clId="{F2A4B7D7-728D-4978-A36C-BC1D8DC370E2}" dt="2022-09-05T09:51:14.925" v="109" actId="14100"/>
-          <ac:spMkLst>
-            <pc:docMk/>
-            <pc:sldMk cId="0" sldId="262"/>
-            <ac:spMk id="3" creationId="{00000000-0000-0000-0000-000000000000}"/>
-          </ac:spMkLst>
-        </pc:spChg>
       </pc:sldChg>
       <pc:sldChg chg="modSp mod">
         <pc:chgData name="Дмитрий Ильвовский" userId="f23e1ef0a5520f69" providerId="LiveId" clId="{F2A4B7D7-728D-4978-A36C-BC1D8DC370E2}" dt="2022-09-05T08:16:12.510" v="49" actId="20577"/>
@@ -182,14 +198,6 @@
           <pc:docMk/>
           <pc:sldMk cId="0" sldId="264"/>
         </pc:sldMkLst>
-        <pc:spChg chg="mod">
-          <ac:chgData name="Дмитрий Ильвовский" userId="f23e1ef0a5520f69" providerId="LiveId" clId="{F2A4B7D7-728D-4978-A36C-BC1D8DC370E2}" dt="2022-09-05T08:16:12.510" v="49" actId="20577"/>
-          <ac:spMkLst>
-            <pc:docMk/>
-            <pc:sldMk cId="0" sldId="264"/>
-            <ac:spMk id="25" creationId="{00000000-0000-0000-0000-000000000000}"/>
-          </ac:spMkLst>
-        </pc:spChg>
       </pc:sldChg>
       <pc:sldChg chg="modSp mod">
         <pc:chgData name="Дмитрий Ильвовский" userId="f23e1ef0a5520f69" providerId="LiveId" clId="{F2A4B7D7-728D-4978-A36C-BC1D8DC370E2}" dt="2022-09-05T08:18:53.616" v="50" actId="14100"/>
@@ -197,14 +205,6 @@
           <pc:docMk/>
           <pc:sldMk cId="0" sldId="278"/>
         </pc:sldMkLst>
-        <pc:spChg chg="mod">
-          <ac:chgData name="Дмитрий Ильвовский" userId="f23e1ef0a5520f69" providerId="LiveId" clId="{F2A4B7D7-728D-4978-A36C-BC1D8DC370E2}" dt="2022-09-05T08:18:53.616" v="50" actId="14100"/>
-          <ac:spMkLst>
-            <pc:docMk/>
-            <pc:sldMk cId="0" sldId="278"/>
-            <ac:spMk id="2" creationId="{00000000-0000-0000-0000-000000000000}"/>
-          </ac:spMkLst>
-        </pc:spChg>
       </pc:sldChg>
     </pc:docChg>
   </pc:docChgLst>
@@ -221,14 +221,6 @@
           <pc:docMk/>
           <pc:sldMk cId="0" sldId="256"/>
         </pc:sldMkLst>
-        <pc:spChg chg="mod">
-          <ac:chgData name="Дмитрий Ильвовский" userId="f23e1ef0a5520f69" providerId="LiveId" clId="{1DFB57BF-0C48-407E-A9E4-6E1D802EA53C}" dt="2023-09-11T16:42:09.922" v="4" actId="20577"/>
-          <ac:spMkLst>
-            <pc:docMk/>
-            <pc:sldMk cId="0" sldId="256"/>
-            <ac:spMk id="32" creationId="{00000000-0000-0000-0000-000000000000}"/>
-          </ac:spMkLst>
-        </pc:spChg>
       </pc:sldChg>
       <pc:sldChg chg="delSp modSp mod">
         <pc:chgData name="Дмитрий Ильвовский" userId="f23e1ef0a5520f69" providerId="LiveId" clId="{1DFB57BF-0C48-407E-A9E4-6E1D802EA53C}" dt="2023-09-11T16:53:20.503" v="137"/>
@@ -236,134 +228,6 @@
           <pc:docMk/>
           <pc:sldMk cId="0" sldId="263"/>
         </pc:sldMkLst>
-        <pc:spChg chg="del mod">
-          <ac:chgData name="Дмитрий Ильвовский" userId="f23e1ef0a5520f69" providerId="LiveId" clId="{1DFB57BF-0C48-407E-A9E4-6E1D802EA53C}" dt="2023-09-11T16:43:37.347" v="13" actId="478"/>
-          <ac:spMkLst>
-            <pc:docMk/>
-            <pc:sldMk cId="0" sldId="263"/>
-            <ac:spMk id="23" creationId="{00000000-0000-0000-0000-000000000000}"/>
-          </ac:spMkLst>
-        </pc:spChg>
-        <pc:spChg chg="mod">
-          <ac:chgData name="Дмитрий Ильвовский" userId="f23e1ef0a5520f69" providerId="LiveId" clId="{1DFB57BF-0C48-407E-A9E4-6E1D802EA53C}" dt="2023-09-11T16:44:02.894" v="35" actId="1035"/>
-          <ac:spMkLst>
-            <pc:docMk/>
-            <pc:sldMk cId="0" sldId="263"/>
-            <ac:spMk id="25" creationId="{00000000-0000-0000-0000-000000000000}"/>
-          </ac:spMkLst>
-        </pc:spChg>
-        <pc:spChg chg="mod">
-          <ac:chgData name="Дмитрий Ильвовский" userId="f23e1ef0a5520f69" providerId="LiveId" clId="{1DFB57BF-0C48-407E-A9E4-6E1D802EA53C}" dt="2023-09-11T16:53:20.503" v="137"/>
-          <ac:spMkLst>
-            <pc:docMk/>
-            <pc:sldMk cId="0" sldId="263"/>
-            <ac:spMk id="26" creationId="{00000000-0000-0000-0000-000000000000}"/>
-          </ac:spMkLst>
-        </pc:spChg>
-        <pc:spChg chg="mod">
-          <ac:chgData name="Дмитрий Ильвовский" userId="f23e1ef0a5520f69" providerId="LiveId" clId="{1DFB57BF-0C48-407E-A9E4-6E1D802EA53C}" dt="2023-09-11T16:44:02.894" v="35" actId="1035"/>
-          <ac:spMkLst>
-            <pc:docMk/>
-            <pc:sldMk cId="0" sldId="263"/>
-            <ac:spMk id="28" creationId="{00000000-0000-0000-0000-000000000000}"/>
-          </ac:spMkLst>
-        </pc:spChg>
-        <pc:spChg chg="mod">
-          <ac:chgData name="Дмитрий Ильвовский" userId="f23e1ef0a5520f69" providerId="LiveId" clId="{1DFB57BF-0C48-407E-A9E4-6E1D802EA53C}" dt="2023-09-11T16:44:02.894" v="35" actId="1035"/>
-          <ac:spMkLst>
-            <pc:docMk/>
-            <pc:sldMk cId="0" sldId="263"/>
-            <ac:spMk id="30" creationId="{00000000-0000-0000-0000-000000000000}"/>
-          </ac:spMkLst>
-        </pc:spChg>
-        <pc:spChg chg="mod">
-          <ac:chgData name="Дмитрий Ильвовский" userId="f23e1ef0a5520f69" providerId="LiveId" clId="{1DFB57BF-0C48-407E-A9E4-6E1D802EA53C}" dt="2023-09-11T16:44:02.894" v="35" actId="1035"/>
-          <ac:spMkLst>
-            <pc:docMk/>
-            <pc:sldMk cId="0" sldId="263"/>
-            <ac:spMk id="32" creationId="{00000000-0000-0000-0000-000000000000}"/>
-          </ac:spMkLst>
-        </pc:spChg>
-        <pc:spChg chg="mod">
-          <ac:chgData name="Дмитрий Ильвовский" userId="f23e1ef0a5520f69" providerId="LiveId" clId="{1DFB57BF-0C48-407E-A9E4-6E1D802EA53C}" dt="2023-09-11T16:44:02.894" v="35" actId="1035"/>
-          <ac:spMkLst>
-            <pc:docMk/>
-            <pc:sldMk cId="0" sldId="263"/>
-            <ac:spMk id="34" creationId="{00000000-0000-0000-0000-000000000000}"/>
-          </ac:spMkLst>
-        </pc:spChg>
-        <pc:spChg chg="mod">
-          <ac:chgData name="Дмитрий Ильвовский" userId="f23e1ef0a5520f69" providerId="LiveId" clId="{1DFB57BF-0C48-407E-A9E4-6E1D802EA53C}" dt="2023-09-11T16:44:02.894" v="35" actId="1035"/>
-          <ac:spMkLst>
-            <pc:docMk/>
-            <pc:sldMk cId="0" sldId="263"/>
-            <ac:spMk id="36" creationId="{00000000-0000-0000-0000-000000000000}"/>
-          </ac:spMkLst>
-        </pc:spChg>
-        <pc:spChg chg="mod">
-          <ac:chgData name="Дмитрий Ильвовский" userId="f23e1ef0a5520f69" providerId="LiveId" clId="{1DFB57BF-0C48-407E-A9E4-6E1D802EA53C}" dt="2023-09-11T16:44:02.894" v="35" actId="1035"/>
-          <ac:spMkLst>
-            <pc:docMk/>
-            <pc:sldMk cId="0" sldId="263"/>
-            <ac:spMk id="38" creationId="{00000000-0000-0000-0000-000000000000}"/>
-          </ac:spMkLst>
-        </pc:spChg>
-        <pc:picChg chg="mod">
-          <ac:chgData name="Дмитрий Ильвовский" userId="f23e1ef0a5520f69" providerId="LiveId" clId="{1DFB57BF-0C48-407E-A9E4-6E1D802EA53C}" dt="2023-09-11T16:44:02.894" v="35" actId="1035"/>
-          <ac:picMkLst>
-            <pc:docMk/>
-            <pc:sldMk cId="0" sldId="263"/>
-            <ac:picMk id="24" creationId="{00000000-0000-0000-0000-000000000000}"/>
-          </ac:picMkLst>
-        </pc:picChg>
-        <pc:picChg chg="mod">
-          <ac:chgData name="Дмитрий Ильвовский" userId="f23e1ef0a5520f69" providerId="LiveId" clId="{1DFB57BF-0C48-407E-A9E4-6E1D802EA53C}" dt="2023-09-11T16:44:02.894" v="35" actId="1035"/>
-          <ac:picMkLst>
-            <pc:docMk/>
-            <pc:sldMk cId="0" sldId="263"/>
-            <ac:picMk id="27" creationId="{00000000-0000-0000-0000-000000000000}"/>
-          </ac:picMkLst>
-        </pc:picChg>
-        <pc:picChg chg="mod">
-          <ac:chgData name="Дмитрий Ильвовский" userId="f23e1ef0a5520f69" providerId="LiveId" clId="{1DFB57BF-0C48-407E-A9E4-6E1D802EA53C}" dt="2023-09-11T16:44:02.894" v="35" actId="1035"/>
-          <ac:picMkLst>
-            <pc:docMk/>
-            <pc:sldMk cId="0" sldId="263"/>
-            <ac:picMk id="29" creationId="{00000000-0000-0000-0000-000000000000}"/>
-          </ac:picMkLst>
-        </pc:picChg>
-        <pc:picChg chg="mod">
-          <ac:chgData name="Дмитрий Ильвовский" userId="f23e1ef0a5520f69" providerId="LiveId" clId="{1DFB57BF-0C48-407E-A9E4-6E1D802EA53C}" dt="2023-09-11T16:44:02.894" v="35" actId="1035"/>
-          <ac:picMkLst>
-            <pc:docMk/>
-            <pc:sldMk cId="0" sldId="263"/>
-            <ac:picMk id="31" creationId="{00000000-0000-0000-0000-000000000000}"/>
-          </ac:picMkLst>
-        </pc:picChg>
-        <pc:picChg chg="mod">
-          <ac:chgData name="Дмитрий Ильвовский" userId="f23e1ef0a5520f69" providerId="LiveId" clId="{1DFB57BF-0C48-407E-A9E4-6E1D802EA53C}" dt="2023-09-11T16:44:02.894" v="35" actId="1035"/>
-          <ac:picMkLst>
-            <pc:docMk/>
-            <pc:sldMk cId="0" sldId="263"/>
-            <ac:picMk id="33" creationId="{00000000-0000-0000-0000-000000000000}"/>
-          </ac:picMkLst>
-        </pc:picChg>
-        <pc:picChg chg="mod">
-          <ac:chgData name="Дмитрий Ильвовский" userId="f23e1ef0a5520f69" providerId="LiveId" clId="{1DFB57BF-0C48-407E-A9E4-6E1D802EA53C}" dt="2023-09-11T16:44:02.894" v="35" actId="1035"/>
-          <ac:picMkLst>
-            <pc:docMk/>
-            <pc:sldMk cId="0" sldId="263"/>
-            <ac:picMk id="35" creationId="{00000000-0000-0000-0000-000000000000}"/>
-          </ac:picMkLst>
-        </pc:picChg>
-        <pc:picChg chg="mod">
-          <ac:chgData name="Дмитрий Ильвовский" userId="f23e1ef0a5520f69" providerId="LiveId" clId="{1DFB57BF-0C48-407E-A9E4-6E1D802EA53C}" dt="2023-09-11T16:44:02.894" v="35" actId="1035"/>
-          <ac:picMkLst>
-            <pc:docMk/>
-            <pc:sldMk cId="0" sldId="263"/>
-            <ac:picMk id="37" creationId="{00000000-0000-0000-0000-000000000000}"/>
-          </ac:picMkLst>
-        </pc:picChg>
       </pc:sldChg>
       <pc:sldChg chg="modSp mod">
         <pc:chgData name="Дмитрий Ильвовский" userId="f23e1ef0a5520f69" providerId="LiveId" clId="{1DFB57BF-0C48-407E-A9E4-6E1D802EA53C}" dt="2023-09-11T16:55:56.611" v="177" actId="20577"/>
@@ -371,14 +235,6 @@
           <pc:docMk/>
           <pc:sldMk cId="0" sldId="264"/>
         </pc:sldMkLst>
-        <pc:spChg chg="mod">
-          <ac:chgData name="Дмитрий Ильвовский" userId="f23e1ef0a5520f69" providerId="LiveId" clId="{1DFB57BF-0C48-407E-A9E4-6E1D802EA53C}" dt="2023-09-11T16:55:56.611" v="177" actId="20577"/>
-          <ac:spMkLst>
-            <pc:docMk/>
-            <pc:sldMk cId="0" sldId="264"/>
-            <ac:spMk id="25" creationId="{00000000-0000-0000-0000-000000000000}"/>
-          </ac:spMkLst>
-        </pc:spChg>
       </pc:sldChg>
       <pc:sldChg chg="del">
         <pc:chgData name="Дмитрий Ильвовский" userId="f23e1ef0a5520f69" providerId="LiveId" clId="{1DFB57BF-0C48-407E-A9E4-6E1D802EA53C}" dt="2023-09-11T16:53:46.386" v="138" actId="47"/>
@@ -393,8 +249,69 @@
           <pc:docMk/>
           <pc:sldMk cId="0" sldId="267"/>
         </pc:sldMkLst>
+      </pc:sldChg>
+    </pc:docChg>
+  </pc:docChgLst>
+  <pc:docChgLst>
+    <pc:chgData name="Dmitry Ilvovsky" userId="f23e1ef0a5520f69" providerId="LiveId" clId="{40306214-9A42-4FA8-99B6-3984636217F0}"/>
+    <pc:docChg chg="modSld">
+      <pc:chgData name="Dmitry Ilvovsky" userId="f23e1ef0a5520f69" providerId="LiveId" clId="{40306214-9A42-4FA8-99B6-3984636217F0}" dt="2025-09-02T15:21:54.162" v="132" actId="20577"/>
+      <pc:docMkLst>
+        <pc:docMk/>
+      </pc:docMkLst>
+      <pc:sldChg chg="modSp mod">
+        <pc:chgData name="Dmitry Ilvovsky" userId="f23e1ef0a5520f69" providerId="LiveId" clId="{40306214-9A42-4FA8-99B6-3984636217F0}" dt="2025-09-02T15:15:26.071" v="7" actId="20577"/>
+        <pc:sldMkLst>
+          <pc:docMk/>
+          <pc:sldMk cId="0" sldId="256"/>
+        </pc:sldMkLst>
         <pc:spChg chg="mod">
-          <ac:chgData name="Дмитрий Ильвовский" userId="f23e1ef0a5520f69" providerId="LiveId" clId="{1DFB57BF-0C48-407E-A9E4-6E1D802EA53C}" dt="2023-09-11T16:46:07.136" v="136" actId="6549"/>
+          <ac:chgData name="Dmitry Ilvovsky" userId="f23e1ef0a5520f69" providerId="LiveId" clId="{40306214-9A42-4FA8-99B6-3984636217F0}" dt="2025-09-02T15:15:26.071" v="7" actId="20577"/>
+          <ac:spMkLst>
+            <pc:docMk/>
+            <pc:sldMk cId="0" sldId="256"/>
+            <ac:spMk id="32" creationId="{00000000-0000-0000-0000-000000000000}"/>
+          </ac:spMkLst>
+        </pc:spChg>
+      </pc:sldChg>
+      <pc:sldChg chg="modSp">
+        <pc:chgData name="Dmitry Ilvovsky" userId="f23e1ef0a5520f69" providerId="LiveId" clId="{40306214-9A42-4FA8-99B6-3984636217F0}" dt="2025-09-02T15:18:13.589" v="27" actId="20577"/>
+        <pc:sldMkLst>
+          <pc:docMk/>
+          <pc:sldMk cId="0" sldId="263"/>
+        </pc:sldMkLst>
+        <pc:spChg chg="mod">
+          <ac:chgData name="Dmitry Ilvovsky" userId="f23e1ef0a5520f69" providerId="LiveId" clId="{40306214-9A42-4FA8-99B6-3984636217F0}" dt="2025-09-02T15:18:13.589" v="27" actId="20577"/>
+          <ac:spMkLst>
+            <pc:docMk/>
+            <pc:sldMk cId="0" sldId="263"/>
+            <ac:spMk id="26" creationId="{00000000-0000-0000-0000-000000000000}"/>
+          </ac:spMkLst>
+        </pc:spChg>
+      </pc:sldChg>
+      <pc:sldChg chg="modSp mod">
+        <pc:chgData name="Dmitry Ilvovsky" userId="f23e1ef0a5520f69" providerId="LiveId" clId="{40306214-9A42-4FA8-99B6-3984636217F0}" dt="2025-09-02T15:20:35.649" v="94" actId="6549"/>
+        <pc:sldMkLst>
+          <pc:docMk/>
+          <pc:sldMk cId="0" sldId="264"/>
+        </pc:sldMkLst>
+        <pc:spChg chg="mod">
+          <ac:chgData name="Dmitry Ilvovsky" userId="f23e1ef0a5520f69" providerId="LiveId" clId="{40306214-9A42-4FA8-99B6-3984636217F0}" dt="2025-09-02T15:20:35.649" v="94" actId="6549"/>
+          <ac:spMkLst>
+            <pc:docMk/>
+            <pc:sldMk cId="0" sldId="264"/>
+            <ac:spMk id="25" creationId="{00000000-0000-0000-0000-000000000000}"/>
+          </ac:spMkLst>
+        </pc:spChg>
+      </pc:sldChg>
+      <pc:sldChg chg="modSp mod">
+        <pc:chgData name="Dmitry Ilvovsky" userId="f23e1ef0a5520f69" providerId="LiveId" clId="{40306214-9A42-4FA8-99B6-3984636217F0}" dt="2025-09-02T15:21:54.162" v="132" actId="20577"/>
+        <pc:sldMkLst>
+          <pc:docMk/>
+          <pc:sldMk cId="0" sldId="267"/>
+        </pc:sldMkLst>
+        <pc:spChg chg="mod">
+          <ac:chgData name="Dmitry Ilvovsky" userId="f23e1ef0a5520f69" providerId="LiveId" clId="{40306214-9A42-4FA8-99B6-3984636217F0}" dt="2025-09-02T15:21:54.162" v="132" actId="20577"/>
           <ac:spMkLst>
             <pc:docMk/>
             <pc:sldMk cId="0" sldId="267"/>
@@ -417,14 +334,6 @@
           <pc:docMk/>
           <pc:sldMk cId="0" sldId="256"/>
         </pc:sldMkLst>
-        <pc:spChg chg="mod">
-          <ac:chgData name="Дмитрий Ильвовский" userId="f23e1ef0a5520f69" providerId="LiveId" clId="{4E733604-555E-4598-9499-E10FB76F41CD}" dt="2024-09-09T18:35:20.350" v="3" actId="20577"/>
-          <ac:spMkLst>
-            <pc:docMk/>
-            <pc:sldMk cId="0" sldId="256"/>
-            <ac:spMk id="32" creationId="{00000000-0000-0000-0000-000000000000}"/>
-          </ac:spMkLst>
-        </pc:spChg>
       </pc:sldChg>
       <pc:sldChg chg="modSp mod">
         <pc:chgData name="Дмитрий Ильвовский" userId="f23e1ef0a5520f69" providerId="LiveId" clId="{4E733604-555E-4598-9499-E10FB76F41CD}" dt="2024-09-12T12:08:16.854" v="49"/>
@@ -432,14 +341,6 @@
           <pc:docMk/>
           <pc:sldMk cId="0" sldId="263"/>
         </pc:sldMkLst>
-        <pc:spChg chg="mod">
-          <ac:chgData name="Дмитрий Ильвовский" userId="f23e1ef0a5520f69" providerId="LiveId" clId="{4E733604-555E-4598-9499-E10FB76F41CD}" dt="2024-09-12T12:08:16.854" v="49"/>
-          <ac:spMkLst>
-            <pc:docMk/>
-            <pc:sldMk cId="0" sldId="263"/>
-            <ac:spMk id="26" creationId="{00000000-0000-0000-0000-000000000000}"/>
-          </ac:spMkLst>
-        </pc:spChg>
       </pc:sldChg>
       <pc:sldChg chg="new del">
         <pc:chgData name="Дмитрий Ильвовский" userId="f23e1ef0a5520f69" providerId="LiveId" clId="{4E733604-555E-4598-9499-E10FB76F41CD}" dt="2024-09-12T12:43:21" v="60" actId="47"/>
@@ -482,14 +383,6 @@
           <pc:docMk/>
           <pc:sldMk cId="2102555856" sldId="279"/>
         </pc:sldMkLst>
-        <pc:spChg chg="add mod">
-          <ac:chgData name="Дмитрий Ильвовский" userId="f23e1ef0a5520f69" providerId="LiveId" clId="{4E733604-555E-4598-9499-E10FB76F41CD}" dt="2024-09-12T13:00:10.865" v="67" actId="14100"/>
-          <ac:spMkLst>
-            <pc:docMk/>
-            <pc:sldMk cId="2102555856" sldId="279"/>
-            <ac:spMk id="5" creationId="{1132C96E-5CD9-76B9-F684-BFB190A11B21}"/>
-          </ac:spMkLst>
-        </pc:spChg>
       </pc:sldChg>
       <pc:sldChg chg="new del">
         <pc:chgData name="Дмитрий Ильвовский" userId="f23e1ef0a5520f69" providerId="LiveId" clId="{4E733604-555E-4598-9499-E10FB76F41CD}" dt="2024-09-12T12:57:19.419" v="64" actId="47"/>
@@ -599,7 +492,7 @@
           <a:p>
             <a:fld id="{F20E6326-EEDE-46C7-A3B2-ADA7A3DC12DB}" type="datetimeFigureOut">
               <a:rPr lang="ru-RU" smtClean="0"/>
-              <a:t>12.09.2024</a:t>
+              <a:t>15.09.2025</a:t>
             </a:fld>
             <a:endParaRPr lang="ru-RU"/>
           </a:p>
@@ -1102,7 +995,7 @@
           <a:p>
             <a:fld id="{1D8BD707-D9CF-40AE-B4C6-C98DA3205C09}" type="datetimeFigureOut">
               <a:rPr lang="en-US" smtClean="0"/>
-              <a:t>9/12/2024</a:t>
+              <a:t>9/15/2025</a:t>
             </a:fld>
             <a:endParaRPr lang="en-US"/>
           </a:p>
@@ -1300,7 +1193,7 @@
           <a:p>
             <a:fld id="{1D8BD707-D9CF-40AE-B4C6-C98DA3205C09}" type="datetimeFigureOut">
               <a:rPr lang="en-US" smtClean="0"/>
-              <a:t>9/12/2024</a:t>
+              <a:t>9/15/2025</a:t>
             </a:fld>
             <a:endParaRPr lang="en-US"/>
           </a:p>
@@ -1508,7 +1401,7 @@
           <a:p>
             <a:fld id="{1D8BD707-D9CF-40AE-B4C6-C98DA3205C09}" type="datetimeFigureOut">
               <a:rPr lang="en-US" smtClean="0"/>
-              <a:t>9/12/2024</a:t>
+              <a:t>9/15/2025</a:t>
             </a:fld>
             <a:endParaRPr lang="en-US"/>
           </a:p>
@@ -1654,7 +1547,7 @@
           <a:p>
             <a:fld id="{1D8BD707-D9CF-40AE-B4C6-C98DA3205C09}" type="datetimeFigureOut">
               <a:rPr lang="en-US"/>
-              <a:t>9/12/2024</a:t>
+              <a:t>9/15/2025</a:t>
             </a:fld>
             <a:endParaRPr lang="en-US"/>
           </a:p>
@@ -1830,7 +1723,7 @@
           <a:p>
             <a:fld id="{1D8BD707-D9CF-40AE-B4C6-C98DA3205C09}" type="datetimeFigureOut">
               <a:rPr lang="en-US" smtClean="0"/>
-              <a:t>9/12/2024</a:t>
+              <a:t>9/15/2025</a:t>
             </a:fld>
             <a:endParaRPr lang="en-US"/>
           </a:p>
@@ -2105,7 +1998,7 @@
           <a:p>
             <a:fld id="{1D8BD707-D9CF-40AE-B4C6-C98DA3205C09}" type="datetimeFigureOut">
               <a:rPr lang="en-US" smtClean="0"/>
-              <a:t>9/12/2024</a:t>
+              <a:t>9/15/2025</a:t>
             </a:fld>
             <a:endParaRPr lang="en-US"/>
           </a:p>
@@ -2370,7 +2263,7 @@
           <a:p>
             <a:fld id="{1D8BD707-D9CF-40AE-B4C6-C98DA3205C09}" type="datetimeFigureOut">
               <a:rPr lang="en-US" smtClean="0"/>
-              <a:t>9/12/2024</a:t>
+              <a:t>9/15/2025</a:t>
             </a:fld>
             <a:endParaRPr lang="en-US"/>
           </a:p>
@@ -2782,7 +2675,7 @@
           <a:p>
             <a:fld id="{1D8BD707-D9CF-40AE-B4C6-C98DA3205C09}" type="datetimeFigureOut">
               <a:rPr lang="en-US" smtClean="0"/>
-              <a:t>9/12/2024</a:t>
+              <a:t>9/15/2025</a:t>
             </a:fld>
             <a:endParaRPr lang="en-US"/>
           </a:p>
@@ -2923,7 +2816,7 @@
           <a:p>
             <a:fld id="{1D8BD707-D9CF-40AE-B4C6-C98DA3205C09}" type="datetimeFigureOut">
               <a:rPr lang="en-US" smtClean="0"/>
-              <a:t>9/12/2024</a:t>
+              <a:t>9/15/2025</a:t>
             </a:fld>
             <a:endParaRPr lang="en-US"/>
           </a:p>
@@ -3036,7 +2929,7 @@
           <a:p>
             <a:fld id="{1D8BD707-D9CF-40AE-B4C6-C98DA3205C09}" type="datetimeFigureOut">
               <a:rPr lang="en-US" smtClean="0"/>
-              <a:t>9/12/2024</a:t>
+              <a:t>9/15/2025</a:t>
             </a:fld>
             <a:endParaRPr lang="en-US"/>
           </a:p>
@@ -3347,7 +3240,7 @@
           <a:p>
             <a:fld id="{1D8BD707-D9CF-40AE-B4C6-C98DA3205C09}" type="datetimeFigureOut">
               <a:rPr lang="en-US" smtClean="0"/>
-              <a:t>9/12/2024</a:t>
+              <a:t>9/15/2025</a:t>
             </a:fld>
             <a:endParaRPr lang="en-US"/>
           </a:p>
@@ -3635,7 +3528,7 @@
           <a:p>
             <a:fld id="{1D8BD707-D9CF-40AE-B4C6-C98DA3205C09}" type="datetimeFigureOut">
               <a:rPr lang="en-US" smtClean="0"/>
-              <a:t>9/12/2024</a:t>
+              <a:t>9/15/2025</a:t>
             </a:fld>
             <a:endParaRPr lang="en-US"/>
           </a:p>
@@ -3876,7 +3769,7 @@
           <a:p>
             <a:fld id="{1D8BD707-D9CF-40AE-B4C6-C98DA3205C09}" type="datetimeFigureOut">
               <a:rPr lang="en-US" smtClean="0"/>
-              <a:t>9/12/2024</a:t>
+              <a:t>9/15/2025</a:t>
             </a:fld>
             <a:endParaRPr lang="en-US"/>
           </a:p>
@@ -4851,16 +4744,10 @@
               <a:t> </a:t>
             </a:r>
             <a:r>
-              <a:rPr lang="en-US" sz="1200" dirty="0">
-                <a:cs typeface="Tahoma"/>
-              </a:rPr>
-              <a:t>1</a:t>
-            </a:r>
-            <a:r>
               <a:rPr lang="ru-RU" sz="1200" dirty="0">
                 <a:cs typeface="Tahoma"/>
               </a:rPr>
-              <a:t>2</a:t>
+              <a:t>15</a:t>
             </a:r>
             <a:r>
               <a:rPr sz="1200" spc="-45" dirty="0">
@@ -4884,7 +4771,7 @@
               <a:rPr lang="ru-RU" sz="1200" spc="-55" dirty="0">
                 <a:cs typeface="Tahoma"/>
               </a:rPr>
-              <a:t>4</a:t>
+              <a:t>5</a:t>
             </a:r>
             <a:endParaRPr sz="1200" dirty="0">
               <a:cs typeface="Tahoma"/>
@@ -5266,19 +5153,13 @@
               <a:rPr sz="1200" b="1" spc="-10" dirty="0">
                 <a:cs typeface="Arial"/>
               </a:rPr>
-              <a:t>Multimodal</a:t>
-            </a:r>
-            <a:r>
-              <a:rPr sz="1200" b="1" spc="45" dirty="0">
+              <a:t>Multi</a:t>
+            </a:r>
+            <a:r>
+              <a:rPr lang="en-US" sz="1200" b="1" spc="-10" dirty="0">
                 <a:cs typeface="Arial"/>
               </a:rPr>
-              <a:t> </a:t>
-            </a:r>
-            <a:r>
-              <a:rPr sz="1200" b="1" spc="15" dirty="0">
-                <a:cs typeface="Arial"/>
-              </a:rPr>
-              <a:t>NLP</a:t>
+              <a:t>agent systems</a:t>
             </a:r>
             <a:endParaRPr sz="1200" dirty="0">
               <a:cs typeface="Arial"/>
@@ -5302,7 +5183,7 @@
               <a:rPr lang="en-US" sz="1200" b="1" spc="-45" dirty="0">
                 <a:cs typeface="Arial"/>
               </a:rPr>
-              <a:t>Interpretable</a:t>
+              <a:t>Interpretable and Explainable</a:t>
             </a:r>
             <a:r>
               <a:rPr sz="1200" b="1" spc="55" dirty="0">
@@ -13590,8 +13471,8 @@
           </a:p>
         </p:txBody>
       </p:sp>
-      <mc:AlternateContent xmlns:mc="http://schemas.openxmlformats.org/markup-compatibility/2006">
-        <mc:Choice xmlns:a14="http://schemas.microsoft.com/office/drawing/2010/main" Requires="a14">
+      <mc:AlternateContent xmlns:mc="http://schemas.openxmlformats.org/markup-compatibility/2006" xmlns:a14="http://schemas.microsoft.com/office/drawing/2010/main">
+        <mc:Choice Requires="a14">
           <p:sp>
             <p:nvSpPr>
               <p:cNvPr id="26" name="object 26"/>
@@ -13785,7 +13666,7 @@
                     <a:cs typeface="Tahoma"/>
                     <a:hlinkClick r:id="rId4"/>
                   </a:rPr>
-                  <a:t>https://github.com/mengsifei/hse-ami-nlp-course-fall-24</a:t>
+                  <a:t>https://github.com/mengsifei/hse-ami-nlp-course-fall-25</a:t>
                 </a:r>
                 <a:endParaRPr lang="en-US" sz="1100" spc="-35" dirty="0">
                   <a:solidFill>
@@ -13816,7 +13697,7 @@
                   <a:rPr lang="en-US" sz="1100" spc="-5" dirty="0">
                     <a:cs typeface="Tahoma"/>
                   </a:rPr>
-                  <a:t>https://t.me/+ziE7nho2dqk1Yzky</a:t>
+                  <a:t>https://t.me/+1raIESxtc3dlZWIy</a:t>
                 </a:r>
                 <a:endParaRPr lang="en-US" sz="1100" dirty="0">
                   <a:cs typeface="Tahoma"/>
@@ -14367,13 +14248,16 @@
                     </m:r>
                   </m:oMath>
                 </a14:m>
-                <a:endParaRPr lang="en-US" sz="900" i="1" spc="-20" dirty="0">
-                  <a:solidFill>
-                    <a:srgbClr val="FF0000"/>
-                  </a:solidFill>
-                  <a:latin typeface="Arial"/>
-                  <a:cs typeface="Arial"/>
-                </a:endParaRPr>
+                <a:r>
+                  <a:rPr lang="en-US" sz="900" i="1" spc="-20" dirty="0">
+                    <a:solidFill>
+                      <a:srgbClr val="FF0000"/>
+                    </a:solidFill>
+                    <a:latin typeface="Arial"/>
+                    <a:cs typeface="Arial"/>
+                  </a:rPr>
+                  <a:t>. Exam is blocking!</a:t>
+                </a:r>
               </a:p>
               <a:p>
                 <a:pPr marL="38098">
@@ -14406,7 +14290,7 @@
             </p:txBody>
           </p:sp>
         </mc:Choice>
-        <mc:Fallback>
+        <mc:Fallback xmlns="">
           <p:sp>
             <p:nvSpPr>
               <p:cNvPr id="26" name="object 26"/>
@@ -15050,7 +14934,7 @@
         <p:spPr>
           <a:xfrm>
             <a:off x="1174457" y="548411"/>
-            <a:ext cx="1978318" cy="2560957"/>
+            <a:ext cx="2359318" cy="2560957"/>
           </a:xfrm>
           <a:prstGeom prst="rect">
             <a:avLst/>
@@ -15104,12 +14988,11 @@
               </a:rPr>
               <a:t>embeddings </a:t>
             </a:r>
-            <a:r>
-              <a:rPr sz="1100" spc="-50" dirty="0">
+            <a:br>
+              <a:rPr lang="en-US" sz="1100" spc="-50" dirty="0">
                 <a:cs typeface="Tahoma"/>
               </a:rPr>
-              <a:t> </a:t>
-            </a:r>
+            </a:br>
             <a:r>
               <a:rPr sz="1100" spc="-30" dirty="0">
                 <a:cs typeface="Tahoma"/>
@@ -15128,16 +15011,15 @@
               </a:rPr>
               <a:t>classification </a:t>
             </a:r>
-            <a:r>
-              <a:rPr sz="1100" spc="-25" dirty="0">
-                <a:cs typeface="Tahoma"/>
-              </a:rPr>
-              <a:t> </a:t>
-            </a:r>
-            <a:r>
+            <a:br>
               <a:rPr lang="en-US" sz="1100" spc="-25" dirty="0">
                 <a:cs typeface="Tahoma"/>
               </a:rPr>
+            </a:br>
+            <a:r>
+              <a:rPr lang="en-US" sz="1100" spc="-25" dirty="0">
+                <a:cs typeface="Tahoma"/>
+              </a:rPr>
               <a:t>Language </a:t>
             </a:r>
             <a:r>
@@ -15158,29 +15040,16 @@
               </a:rPr>
               <a:t>delling </a:t>
             </a:r>
-            <a:r>
-              <a:rPr sz="1100" spc="-50" dirty="0">
+            <a:br>
+              <a:rPr lang="en-US" sz="1100" spc="-35" dirty="0">
                 <a:cs typeface="Tahoma"/>
               </a:rPr>
-              <a:t>Seq2Seq</a:t>
-            </a:r>
-            <a:r>
-              <a:rPr sz="1100" spc="-25" dirty="0">
+            </a:br>
+            <a:r>
+              <a:rPr lang="en-US" sz="1100" spc="-30" dirty="0">
                 <a:cs typeface="Tahoma"/>
               </a:rPr>
-              <a:t> </a:t>
-            </a:r>
-            <a:r>
-              <a:rPr sz="1100" spc="-35" dirty="0">
-                <a:cs typeface="Tahoma"/>
-              </a:rPr>
-              <a:t>modelling </a:t>
-            </a:r>
-            <a:r>
-              <a:rPr sz="1100" spc="-30" dirty="0">
-                <a:cs typeface="Tahoma"/>
-              </a:rPr>
-              <a:t> Syntax</a:t>
+              <a:t>Syntax</a:t>
             </a:r>
             <a:endParaRPr sz="1100" dirty="0">
               <a:cs typeface="Tahoma"/>
@@ -15224,8 +15093,17 @@
               <a:rPr lang="en-US" sz="1100" spc="-45" dirty="0">
                 <a:cs typeface="Tahoma"/>
               </a:rPr>
-              <a:t>Language resources</a:t>
-            </a:r>
+              <a:t>Advanced generative models</a:t>
+            </a:r>
+            <a:r>
+              <a:rPr lang="en-US" sz="1100" spc="-50" dirty="0">
+                <a:cs typeface="Tahoma"/>
+              </a:rPr>
+              <a:t> Benchmarking</a:t>
+            </a:r>
+            <a:endParaRPr lang="en-US" sz="1100" spc="-45" dirty="0">
+              <a:cs typeface="Tahoma"/>
+            </a:endParaRPr>
           </a:p>
           <a:p>
             <a:pPr marL="12700" marR="805146">
@@ -15234,13 +15112,13 @@
               </a:lnSpc>
             </a:pPr>
             <a:r>
-              <a:rPr sz="1100" spc="-35">
+              <a:rPr sz="1100" spc="-35" dirty="0">
                 <a:cs typeface="Tahoma"/>
               </a:rPr>
               <a:t>Question</a:t>
             </a:r>
             <a:r>
-              <a:rPr sz="1100" spc="-40">
+              <a:rPr sz="1100" spc="-40" dirty="0">
                 <a:cs typeface="Tahoma"/>
               </a:rPr>
               <a:t> </a:t>
@@ -15289,25 +15167,18 @@
               <a:rPr sz="1100" spc="-20" dirty="0">
                 <a:cs typeface="Tahoma"/>
               </a:rPr>
-              <a:t>Simplification </a:t>
-            </a:r>
-            <a:r>
-              <a:rPr sz="1100" spc="-325" dirty="0">
+              <a:t>Simplification</a:t>
+            </a:r>
+            <a:br>
+              <a:rPr lang="en-US" sz="1100" spc="-20" dirty="0">
                 <a:cs typeface="Tahoma"/>
               </a:rPr>
-              <a:t> </a:t>
-            </a:r>
-            <a:r>
-              <a:rPr sz="1100" spc="-10" dirty="0">
+            </a:br>
+            <a:r>
+              <a:rPr lang="en-US" sz="1100" spc="15" dirty="0">
                 <a:cs typeface="Tahoma"/>
               </a:rPr>
-              <a:t>Fact</a:t>
-            </a:r>
-            <a:r>
-              <a:rPr sz="1100" spc="15" dirty="0">
-                <a:cs typeface="Tahoma"/>
-              </a:rPr>
-              <a:t> </a:t>
+              <a:t>Fact </a:t>
             </a:r>
             <a:r>
               <a:rPr sz="1100" spc="-40" dirty="0">
